--- a/Documentation/PowerMap.pptx
+++ b/Documentation/PowerMap.pptx
@@ -16,12 +16,16 @@
     <p:sldId id="265" r:id="rId10"/>
     <p:sldId id="267" r:id="rId11"/>
     <p:sldId id="266" r:id="rId12"/>
-    <p:sldId id="276" r:id="rId13"/>
-    <p:sldId id="277" r:id="rId14"/>
-    <p:sldId id="273" r:id="rId15"/>
-    <p:sldId id="278" r:id="rId16"/>
-    <p:sldId id="274" r:id="rId17"/>
-    <p:sldId id="275" r:id="rId18"/>
+    <p:sldId id="279" r:id="rId13"/>
+    <p:sldId id="280" r:id="rId14"/>
+    <p:sldId id="281" r:id="rId15"/>
+    <p:sldId id="282" r:id="rId16"/>
+    <p:sldId id="276" r:id="rId17"/>
+    <p:sldId id="277" r:id="rId18"/>
+    <p:sldId id="273" r:id="rId19"/>
+    <p:sldId id="278" r:id="rId20"/>
+    <p:sldId id="274" r:id="rId21"/>
+    <p:sldId id="275" r:id="rId22"/>
   </p:sldIdLst>
   <p:sldSz cx="12192000" cy="6858000"/>
   <p:notesSz cx="6858000" cy="9144000"/>
@@ -120,6 +124,11 @@
       </a:defRPr>
     </a:lvl9pPr>
   </p:defaultTextStyle>
+  <p:extLst>
+    <p:ext uri="{EFAFB233-063F-42B5-8137-9DF3F51BA10A}">
+      <p15:sldGuideLst xmlns:p15="http://schemas.microsoft.com/office/powerpoint/2012/main"/>
+    </p:ext>
+  </p:extLst>
 </p:presentation>
 </file>
 
@@ -293,7 +302,7 @@
             <a:fld id="{87DE6118-2437-4B30-8E3C-4D2BE6020583}" type="datetimeFigureOut">
               <a:rPr lang="en-US" dirty="0"/>
               <a:pPr/>
-              <a:t>3/22/2022</a:t>
+              <a:t>3/23/2022</a:t>
             </a:fld>
             <a:endParaRPr lang="en-US" dirty="0"/>
           </a:p>
@@ -619,7 +628,7 @@
           <a:p>
             <a:fld id="{87DE6118-2437-4B30-8E3C-4D2BE6020583}" type="datetimeFigureOut">
               <a:rPr lang="en-US" dirty="0"/>
-              <a:t>3/22/2022</a:t>
+              <a:t>3/23/2022</a:t>
             </a:fld>
             <a:endParaRPr lang="en-US" dirty="0"/>
           </a:p>
@@ -794,7 +803,7 @@
           <a:p>
             <a:fld id="{87DE6118-2437-4B30-8E3C-4D2BE6020583}" type="datetimeFigureOut">
               <a:rPr lang="en-US" dirty="0"/>
-              <a:t>3/22/2022</a:t>
+              <a:t>3/23/2022</a:t>
             </a:fld>
             <a:endParaRPr lang="en-US" dirty="0"/>
           </a:p>
@@ -959,7 +968,7 @@
           <a:p>
             <a:fld id="{87DE6118-2437-4B30-8E3C-4D2BE6020583}" type="datetimeFigureOut">
               <a:rPr lang="en-US" dirty="0"/>
-              <a:t>3/22/2022</a:t>
+              <a:t>3/23/2022</a:t>
             </a:fld>
             <a:endParaRPr lang="en-US" dirty="0"/>
           </a:p>
@@ -1232,7 +1241,7 @@
             <a:fld id="{87DE6118-2437-4B30-8E3C-4D2BE6020583}" type="datetimeFigureOut">
               <a:rPr lang="en-US" dirty="0"/>
               <a:pPr/>
-              <a:t>3/22/2022</a:t>
+              <a:t>3/23/2022</a:t>
             </a:fld>
             <a:endParaRPr lang="en-US" dirty="0"/>
           </a:p>
@@ -1622,7 +1631,7 @@
           <a:p>
             <a:fld id="{87DE6118-2437-4B30-8E3C-4D2BE6020583}" type="datetimeFigureOut">
               <a:rPr lang="en-US" dirty="0"/>
-              <a:t>3/22/2022</a:t>
+              <a:t>3/23/2022</a:t>
             </a:fld>
             <a:endParaRPr lang="en-US" dirty="0"/>
           </a:p>
@@ -2094,7 +2103,7 @@
           <a:p>
             <a:fld id="{87DE6118-2437-4B30-8E3C-4D2BE6020583}" type="datetimeFigureOut">
               <a:rPr lang="en-US" dirty="0"/>
-              <a:t>3/22/2022</a:t>
+              <a:t>3/23/2022</a:t>
             </a:fld>
             <a:endParaRPr lang="en-US" dirty="0"/>
           </a:p>
@@ -2207,7 +2216,7 @@
           <a:p>
             <a:fld id="{87DE6118-2437-4B30-8E3C-4D2BE6020583}" type="datetimeFigureOut">
               <a:rPr lang="en-US" dirty="0"/>
-              <a:t>3/22/2022</a:t>
+              <a:t>3/23/2022</a:t>
             </a:fld>
             <a:endParaRPr lang="en-US" dirty="0"/>
           </a:p>
@@ -2297,7 +2306,7 @@
           <a:p>
             <a:fld id="{87DE6118-2437-4B30-8E3C-4D2BE6020583}" type="datetimeFigureOut">
               <a:rPr lang="en-US" dirty="0"/>
-              <a:t>3/22/2022</a:t>
+              <a:t>3/23/2022</a:t>
             </a:fld>
             <a:endParaRPr lang="en-US" dirty="0"/>
           </a:p>
@@ -2639,7 +2648,7 @@
             <a:fld id="{87DE6118-2437-4B30-8E3C-4D2BE6020583}" type="datetimeFigureOut">
               <a:rPr lang="en-US" dirty="0"/>
               <a:pPr/>
-              <a:t>3/22/2022</a:t>
+              <a:t>3/23/2022</a:t>
             </a:fld>
             <a:endParaRPr lang="en-US" dirty="0"/>
           </a:p>
@@ -3024,7 +3033,7 @@
             <a:fld id="{87DE6118-2437-4B30-8E3C-4D2BE6020583}" type="datetimeFigureOut">
               <a:rPr lang="en-US" dirty="0"/>
               <a:pPr/>
-              <a:t>3/22/2022</a:t>
+              <a:t>3/23/2022</a:t>
             </a:fld>
             <a:endParaRPr lang="en-US" dirty="0"/>
           </a:p>
@@ -3299,7 +3308,7 @@
             <a:fld id="{87DE6118-2437-4B30-8E3C-4D2BE6020583}" type="datetimeFigureOut">
               <a:rPr lang="en-US" dirty="0"/>
               <a:pPr/>
-              <a:t>3/22/2022</a:t>
+              <a:t>3/23/2022</a:t>
             </a:fld>
             <a:endParaRPr lang="en-US" dirty="0"/>
           </a:p>
@@ -4634,7 +4643,7 @@
             <a:pPr algn="ctr"/>
             <a:r>
               <a:rPr lang="en-US" sz="7200" cap="all" dirty="0"/>
-              <a:t>Demonstration du projet</a:t>
+              <a:t>Technologies utilisées</a:t>
             </a:r>
           </a:p>
         </p:txBody>
@@ -4687,6 +4696,1162 @@
                 </a:spcAft>
               </a:pPr>
               <a:t>12</a:t>
+            </a:fld>
+            <a:endParaRPr lang="en-US" kern="1200" baseline="0" dirty="0">
+              <a:solidFill>
+                <a:schemeClr val="tx2"/>
+              </a:solidFill>
+              <a:latin typeface="+mn-lt"/>
+              <a:ea typeface="+mn-ea"/>
+              <a:cs typeface="+mn-cs"/>
+            </a:endParaRPr>
+          </a:p>
+        </p:txBody>
+      </p:sp>
+    </p:spTree>
+    <p:extLst>
+      <p:ext uri="{BB962C8B-B14F-4D97-AF65-F5344CB8AC3E}">
+        <p14:creationId xmlns:p14="http://schemas.microsoft.com/office/powerpoint/2010/main" val="1478960775"/>
+      </p:ext>
+    </p:extLst>
+  </p:cSld>
+  <p:clrMapOvr>
+    <a:overrideClrMapping bg1="dk1" tx1="lt1" bg2="dk2" tx2="lt2" accent1="accent1" accent2="accent2" accent3="accent3" accent4="accent4" accent5="accent5" accent6="accent6" hlink="hlink" folHlink="folHlink"/>
+  </p:clrMapOvr>
+  <p:timing>
+    <p:tnLst>
+      <p:par>
+        <p:cTn id="1" dur="indefinite" restart="never" nodeType="tmRoot">
+          <p:childTnLst>
+            <p:seq concurrent="1" nextAc="seek">
+              <p:cTn id="2" dur="indefinite" nodeType="mainSeq">
+                <p:childTnLst>
+                  <p:par>
+                    <p:cTn id="3" fill="hold">
+                      <p:stCondLst>
+                        <p:cond delay="indefinite"/>
+                        <p:cond evt="onBegin" delay="0">
+                          <p:tn val="2"/>
+                        </p:cond>
+                      </p:stCondLst>
+                      <p:childTnLst>
+                        <p:par>
+                          <p:cTn id="4" fill="hold">
+                            <p:stCondLst>
+                              <p:cond delay="0"/>
+                            </p:stCondLst>
+                            <p:childTnLst>
+                              <p:par>
+                                <p:cTn id="5" presetID="10" presetClass="entr" presetSubtype="0" fill="hold" grpId="0" nodeType="withEffect">
+                                  <p:stCondLst>
+                                    <p:cond delay="500"/>
+                                  </p:stCondLst>
+                                  <p:iterate type="wd">
+                                    <p:tmPct val="15000"/>
+                                  </p:iterate>
+                                  <p:childTnLst>
+                                    <p:set>
+                                      <p:cBhvr>
+                                        <p:cTn id="6" dur="1" fill="hold">
+                                          <p:stCondLst>
+                                            <p:cond delay="0"/>
+                                          </p:stCondLst>
+                                        </p:cTn>
+                                        <p:tgtEl>
+                                          <p:spTgt spid="2"/>
+                                        </p:tgtEl>
+                                        <p:attrNameLst>
+                                          <p:attrName>style.visibility</p:attrName>
+                                        </p:attrNameLst>
+                                      </p:cBhvr>
+                                      <p:to>
+                                        <p:strVal val="visible"/>
+                                      </p:to>
+                                    </p:set>
+                                    <p:animEffect transition="in" filter="fade">
+                                      <p:cBhvr>
+                                        <p:cTn id="7" dur="1000"/>
+                                        <p:tgtEl>
+                                          <p:spTgt spid="2"/>
+                                        </p:tgtEl>
+                                      </p:cBhvr>
+                                    </p:animEffect>
+                                  </p:childTnLst>
+                                </p:cTn>
+                              </p:par>
+                            </p:childTnLst>
+                          </p:cTn>
+                        </p:par>
+                      </p:childTnLst>
+                    </p:cTn>
+                  </p:par>
+                </p:childTnLst>
+              </p:cTn>
+              <p:prevCondLst>
+                <p:cond evt="onPrev" delay="0">
+                  <p:tgtEl>
+                    <p:sldTgt/>
+                  </p:tgtEl>
+                </p:cond>
+              </p:prevCondLst>
+              <p:nextCondLst>
+                <p:cond evt="onNext" delay="0">
+                  <p:tgtEl>
+                    <p:sldTgt/>
+                  </p:tgtEl>
+                </p:cond>
+              </p:nextCondLst>
+            </p:seq>
+          </p:childTnLst>
+        </p:cTn>
+      </p:par>
+    </p:tnLst>
+    <p:bldLst>
+      <p:bldP spid="2" grpId="0"/>
+    </p:bldLst>
+  </p:timing>
+</p:sld>
+</file>
+
+<file path=ppt/slides/slide13.xml><?xml version="1.0" encoding="utf-8"?>
+<p:sld xmlns:a="http://schemas.openxmlformats.org/drawingml/2006/main" xmlns:r="http://schemas.openxmlformats.org/officeDocument/2006/relationships" xmlns:p="http://schemas.openxmlformats.org/presentationml/2006/main">
+  <p:cSld>
+    <p:spTree>
+      <p:nvGrpSpPr>
+        <p:cNvPr id="1" name=""/>
+        <p:cNvGrpSpPr/>
+        <p:nvPr/>
+      </p:nvGrpSpPr>
+      <p:grpSpPr>
+        <a:xfrm>
+          <a:off x="0" y="0"/>
+          <a:ext cx="0" cy="0"/>
+          <a:chOff x="0" y="0"/>
+          <a:chExt cx="0" cy="0"/>
+        </a:xfrm>
+      </p:grpSpPr>
+      <p:sp>
+        <p:nvSpPr>
+          <p:cNvPr id="2" name="Titre 1">
+            <a:extLst>
+              <a:ext uri="{FF2B5EF4-FFF2-40B4-BE49-F238E27FC236}">
+                <a16:creationId xmlns:a16="http://schemas.microsoft.com/office/drawing/2014/main" id="{7CADF332-1E6E-4D42-85E2-BC6C9BCBF89F}"/>
+              </a:ext>
+            </a:extLst>
+          </p:cNvPr>
+          <p:cNvSpPr>
+            <a:spLocks noGrp="1"/>
+          </p:cNvSpPr>
+          <p:nvPr>
+            <p:ph type="title"/>
+          </p:nvPr>
+        </p:nvSpPr>
+        <p:spPr>
+          <a:xfrm>
+            <a:off x="998738" y="318671"/>
+            <a:ext cx="9601200" cy="1485900"/>
+          </a:xfrm>
+        </p:spPr>
+        <p:txBody>
+          <a:bodyPr/>
+          <a:lstStyle/>
+          <a:p>
+            <a:r>
+              <a:rPr lang="fr-FR" dirty="0"/>
+              <a:t>JAVA SDK17, Spring et Maven</a:t>
+            </a:r>
+          </a:p>
+        </p:txBody>
+      </p:sp>
+      <p:pic>
+        <p:nvPicPr>
+          <p:cNvPr id="1028" name="Picture 4">
+            <a:extLst>
+              <a:ext uri="{FF2B5EF4-FFF2-40B4-BE49-F238E27FC236}">
+                <a16:creationId xmlns:a16="http://schemas.microsoft.com/office/drawing/2014/main" id="{0856EF20-8F22-4331-9051-F0CA56029892}"/>
+              </a:ext>
+            </a:extLst>
+          </p:cNvPr>
+          <p:cNvPicPr>
+            <a:picLocks noChangeAspect="1" noChangeArrowheads="1"/>
+          </p:cNvPicPr>
+          <p:nvPr/>
+        </p:nvPicPr>
+        <p:blipFill>
+          <a:blip r:embed="rId2">
+            <a:extLst>
+              <a:ext uri="{28A0092B-C50C-407E-A947-70E740481C1C}">
+                <a14:useLocalDpi xmlns:a14="http://schemas.microsoft.com/office/drawing/2010/main" val="0"/>
+              </a:ext>
+            </a:extLst>
+          </a:blip>
+          <a:srcRect/>
+          <a:stretch>
+            <a:fillRect/>
+          </a:stretch>
+        </p:blipFill>
+        <p:spPr bwMode="auto">
+          <a:xfrm>
+            <a:off x="3800474" y="4624581"/>
+            <a:ext cx="5691187" cy="1440582"/>
+          </a:xfrm>
+          <a:prstGeom prst="rect">
+            <a:avLst/>
+          </a:prstGeom>
+          <a:noFill/>
+          <a:extLst>
+            <a:ext uri="{909E8E84-426E-40DD-AFC4-6F175D3DCCD1}">
+              <a14:hiddenFill xmlns:a14="http://schemas.microsoft.com/office/drawing/2010/main">
+                <a:solidFill>
+                  <a:srgbClr val="FFFFFF"/>
+                </a:solidFill>
+              </a14:hiddenFill>
+            </a:ext>
+          </a:extLst>
+        </p:spPr>
+      </p:pic>
+      <p:pic>
+        <p:nvPicPr>
+          <p:cNvPr id="1030" name="Picture 6" descr="Announcing Stream Chat's New Java Backend SDK">
+            <a:extLst>
+              <a:ext uri="{FF2B5EF4-FFF2-40B4-BE49-F238E27FC236}">
+                <a16:creationId xmlns:a16="http://schemas.microsoft.com/office/drawing/2014/main" id="{08B33DC2-06D4-4F6A-86FE-CA0CB99A7356}"/>
+              </a:ext>
+            </a:extLst>
+          </p:cNvPr>
+          <p:cNvPicPr>
+            <a:picLocks noChangeAspect="1" noChangeArrowheads="1"/>
+          </p:cNvPicPr>
+          <p:nvPr/>
+        </p:nvPicPr>
+        <p:blipFill>
+          <a:blip r:embed="rId3">
+            <a:extLst>
+              <a:ext uri="{28A0092B-C50C-407E-A947-70E740481C1C}">
+                <a14:useLocalDpi xmlns:a14="http://schemas.microsoft.com/office/drawing/2010/main" val="0"/>
+              </a:ext>
+            </a:extLst>
+          </a:blip>
+          <a:srcRect/>
+          <a:stretch>
+            <a:fillRect/>
+          </a:stretch>
+        </p:blipFill>
+        <p:spPr bwMode="auto">
+          <a:xfrm>
+            <a:off x="1503563" y="1438275"/>
+            <a:ext cx="3987785" cy="2492365"/>
+          </a:xfrm>
+          <a:prstGeom prst="rect">
+            <a:avLst/>
+          </a:prstGeom>
+          <a:noFill/>
+          <a:extLst>
+            <a:ext uri="{909E8E84-426E-40DD-AFC4-6F175D3DCCD1}">
+              <a14:hiddenFill xmlns:a14="http://schemas.microsoft.com/office/drawing/2010/main">
+                <a:solidFill>
+                  <a:srgbClr val="FFFFFF"/>
+                </a:solidFill>
+              </a14:hiddenFill>
+            </a:ext>
+          </a:extLst>
+        </p:spPr>
+      </p:pic>
+      <p:pic>
+        <p:nvPicPr>
+          <p:cNvPr id="1034" name="Picture 10">
+            <a:extLst>
+              <a:ext uri="{FF2B5EF4-FFF2-40B4-BE49-F238E27FC236}">
+                <a16:creationId xmlns:a16="http://schemas.microsoft.com/office/drawing/2014/main" id="{0D03FFB0-EC3F-4AD4-9123-BCC9CE499061}"/>
+              </a:ext>
+            </a:extLst>
+          </p:cNvPr>
+          <p:cNvPicPr>
+            <a:picLocks noChangeAspect="1" noChangeArrowheads="1"/>
+          </p:cNvPicPr>
+          <p:nvPr/>
+        </p:nvPicPr>
+        <p:blipFill>
+          <a:blip r:embed="rId4">
+            <a:extLst>
+              <a:ext uri="{28A0092B-C50C-407E-A947-70E740481C1C}">
+                <a14:useLocalDpi xmlns:a14="http://schemas.microsoft.com/office/drawing/2010/main" val="0"/>
+              </a:ext>
+            </a:extLst>
+          </a:blip>
+          <a:srcRect/>
+          <a:stretch>
+            <a:fillRect/>
+          </a:stretch>
+        </p:blipFill>
+        <p:spPr bwMode="auto">
+          <a:xfrm>
+            <a:off x="7038975" y="2253853"/>
+            <a:ext cx="4572000" cy="1175147"/>
+          </a:xfrm>
+          <a:prstGeom prst="rect">
+            <a:avLst/>
+          </a:prstGeom>
+          <a:noFill/>
+          <a:extLst>
+            <a:ext uri="{909E8E84-426E-40DD-AFC4-6F175D3DCCD1}">
+              <a14:hiddenFill xmlns:a14="http://schemas.microsoft.com/office/drawing/2010/main">
+                <a:solidFill>
+                  <a:srgbClr val="FFFFFF"/>
+                </a:solidFill>
+              </a14:hiddenFill>
+            </a:ext>
+          </a:extLst>
+        </p:spPr>
+      </p:pic>
+    </p:spTree>
+    <p:extLst>
+      <p:ext uri="{BB962C8B-B14F-4D97-AF65-F5344CB8AC3E}">
+        <p14:creationId xmlns:p14="http://schemas.microsoft.com/office/powerpoint/2010/main" val="3359254142"/>
+      </p:ext>
+    </p:extLst>
+  </p:cSld>
+  <p:clrMapOvr>
+    <a:masterClrMapping/>
+  </p:clrMapOvr>
+</p:sld>
+</file>
+
+<file path=ppt/slides/slide14.xml><?xml version="1.0" encoding="utf-8"?>
+<p:sld xmlns:a="http://schemas.openxmlformats.org/drawingml/2006/main" xmlns:r="http://schemas.openxmlformats.org/officeDocument/2006/relationships" xmlns:p="http://schemas.openxmlformats.org/presentationml/2006/main">
+  <p:cSld>
+    <p:spTree>
+      <p:nvGrpSpPr>
+        <p:cNvPr id="1" name=""/>
+        <p:cNvGrpSpPr/>
+        <p:nvPr/>
+      </p:nvGrpSpPr>
+      <p:grpSpPr>
+        <a:xfrm>
+          <a:off x="0" y="0"/>
+          <a:ext cx="0" cy="0"/>
+          <a:chOff x="0" y="0"/>
+          <a:chExt cx="0" cy="0"/>
+        </a:xfrm>
+      </p:grpSpPr>
+      <p:sp>
+        <p:nvSpPr>
+          <p:cNvPr id="2" name="Titre 1">
+            <a:extLst>
+              <a:ext uri="{FF2B5EF4-FFF2-40B4-BE49-F238E27FC236}">
+                <a16:creationId xmlns:a16="http://schemas.microsoft.com/office/drawing/2014/main" id="{7CADF332-1E6E-4D42-85E2-BC6C9BCBF89F}"/>
+              </a:ext>
+            </a:extLst>
+          </p:cNvPr>
+          <p:cNvSpPr>
+            <a:spLocks noGrp="1"/>
+          </p:cNvSpPr>
+          <p:nvPr>
+            <p:ph type="title"/>
+          </p:nvPr>
+        </p:nvSpPr>
+        <p:spPr>
+          <a:xfrm>
+            <a:off x="998738" y="318671"/>
+            <a:ext cx="9601200" cy="1485900"/>
+          </a:xfrm>
+        </p:spPr>
+        <p:txBody>
+          <a:bodyPr/>
+          <a:lstStyle/>
+          <a:p>
+            <a:r>
+              <a:rPr lang="fr-FR" dirty="0"/>
+              <a:t>Thymeleaf et MySQL</a:t>
+            </a:r>
+          </a:p>
+        </p:txBody>
+      </p:sp>
+      <p:pic>
+        <p:nvPicPr>
+          <p:cNvPr id="2050" name="Picture 2" descr="Thymeleaf">
+            <a:extLst>
+              <a:ext uri="{FF2B5EF4-FFF2-40B4-BE49-F238E27FC236}">
+                <a16:creationId xmlns:a16="http://schemas.microsoft.com/office/drawing/2014/main" id="{3207E826-8C04-479D-A8EE-55C154060849}"/>
+              </a:ext>
+            </a:extLst>
+          </p:cNvPr>
+          <p:cNvPicPr>
+            <a:picLocks noChangeAspect="1" noChangeArrowheads="1"/>
+          </p:cNvPicPr>
+          <p:nvPr/>
+        </p:nvPicPr>
+        <p:blipFill>
+          <a:blip r:embed="rId2">
+            <a:extLst>
+              <a:ext uri="{28A0092B-C50C-407E-A947-70E740481C1C}">
+                <a14:useLocalDpi xmlns:a14="http://schemas.microsoft.com/office/drawing/2010/main" val="0"/>
+              </a:ext>
+            </a:extLst>
+          </a:blip>
+          <a:srcRect/>
+          <a:stretch>
+            <a:fillRect/>
+          </a:stretch>
+        </p:blipFill>
+        <p:spPr bwMode="auto">
+          <a:xfrm>
+            <a:off x="2149475" y="2472028"/>
+            <a:ext cx="3108325" cy="3114091"/>
+          </a:xfrm>
+          <a:prstGeom prst="rect">
+            <a:avLst/>
+          </a:prstGeom>
+          <a:noFill/>
+          <a:extLst>
+            <a:ext uri="{909E8E84-426E-40DD-AFC4-6F175D3DCCD1}">
+              <a14:hiddenFill xmlns:a14="http://schemas.microsoft.com/office/drawing/2010/main">
+                <a:solidFill>
+                  <a:srgbClr val="FFFFFF"/>
+                </a:solidFill>
+              </a14:hiddenFill>
+            </a:ext>
+          </a:extLst>
+        </p:spPr>
+      </p:pic>
+      <p:pic>
+        <p:nvPicPr>
+          <p:cNvPr id="2052" name="Picture 4">
+            <a:extLst>
+              <a:ext uri="{FF2B5EF4-FFF2-40B4-BE49-F238E27FC236}">
+                <a16:creationId xmlns:a16="http://schemas.microsoft.com/office/drawing/2014/main" id="{6D565E9E-B131-4186-8132-3D7363811FC9}"/>
+              </a:ext>
+            </a:extLst>
+          </p:cNvPr>
+          <p:cNvPicPr>
+            <a:picLocks noChangeAspect="1" noChangeArrowheads="1"/>
+          </p:cNvPicPr>
+          <p:nvPr/>
+        </p:nvPicPr>
+        <p:blipFill>
+          <a:blip r:embed="rId3">
+            <a:extLst>
+              <a:ext uri="{28A0092B-C50C-407E-A947-70E740481C1C}">
+                <a14:useLocalDpi xmlns:a14="http://schemas.microsoft.com/office/drawing/2010/main" val="0"/>
+              </a:ext>
+            </a:extLst>
+          </a:blip>
+          <a:srcRect/>
+          <a:stretch>
+            <a:fillRect/>
+          </a:stretch>
+        </p:blipFill>
+        <p:spPr bwMode="auto">
+          <a:xfrm>
+            <a:off x="7499590" y="2419348"/>
+            <a:ext cx="3226040" cy="3214394"/>
+          </a:xfrm>
+          <a:prstGeom prst="rect">
+            <a:avLst/>
+          </a:prstGeom>
+          <a:noFill/>
+          <a:extLst>
+            <a:ext uri="{909E8E84-426E-40DD-AFC4-6F175D3DCCD1}">
+              <a14:hiddenFill xmlns:a14="http://schemas.microsoft.com/office/drawing/2010/main">
+                <a:solidFill>
+                  <a:srgbClr val="FFFFFF"/>
+                </a:solidFill>
+              </a14:hiddenFill>
+            </a:ext>
+          </a:extLst>
+        </p:spPr>
+      </p:pic>
+    </p:spTree>
+    <p:extLst>
+      <p:ext uri="{BB962C8B-B14F-4D97-AF65-F5344CB8AC3E}">
+        <p14:creationId xmlns:p14="http://schemas.microsoft.com/office/powerpoint/2010/main" val="1668838343"/>
+      </p:ext>
+    </p:extLst>
+  </p:cSld>
+  <p:clrMapOvr>
+    <a:masterClrMapping/>
+  </p:clrMapOvr>
+</p:sld>
+</file>
+
+<file path=ppt/slides/slide15.xml><?xml version="1.0" encoding="utf-8"?>
+<p:sld xmlns:a="http://schemas.openxmlformats.org/drawingml/2006/main" xmlns:r="http://schemas.openxmlformats.org/officeDocument/2006/relationships" xmlns:p="http://schemas.openxmlformats.org/presentationml/2006/main">
+  <p:cSld>
+    <p:spTree>
+      <p:nvGrpSpPr>
+        <p:cNvPr id="1" name=""/>
+        <p:cNvGrpSpPr/>
+        <p:nvPr/>
+      </p:nvGrpSpPr>
+      <p:grpSpPr>
+        <a:xfrm>
+          <a:off x="0" y="0"/>
+          <a:ext cx="0" cy="0"/>
+          <a:chOff x="0" y="0"/>
+          <a:chExt cx="0" cy="0"/>
+        </a:xfrm>
+      </p:grpSpPr>
+      <p:sp>
+        <p:nvSpPr>
+          <p:cNvPr id="2" name="Titre 1">
+            <a:extLst>
+              <a:ext uri="{FF2B5EF4-FFF2-40B4-BE49-F238E27FC236}">
+                <a16:creationId xmlns:a16="http://schemas.microsoft.com/office/drawing/2014/main" id="{7CADF332-1E6E-4D42-85E2-BC6C9BCBF89F}"/>
+              </a:ext>
+            </a:extLst>
+          </p:cNvPr>
+          <p:cNvSpPr>
+            <a:spLocks noGrp="1"/>
+          </p:cNvSpPr>
+          <p:nvPr>
+            <p:ph type="title"/>
+          </p:nvPr>
+        </p:nvSpPr>
+        <p:spPr>
+          <a:xfrm>
+            <a:off x="998738" y="318671"/>
+            <a:ext cx="9601200" cy="1485900"/>
+          </a:xfrm>
+        </p:spPr>
+        <p:txBody>
+          <a:bodyPr/>
+          <a:lstStyle/>
+          <a:p>
+            <a:r>
+              <a:rPr lang="fr-FR" dirty="0"/>
+              <a:t>Leaflet</a:t>
+            </a:r>
+          </a:p>
+        </p:txBody>
+      </p:sp>
+      <p:pic>
+        <p:nvPicPr>
+          <p:cNvPr id="3074" name="Picture 2">
+            <a:extLst>
+              <a:ext uri="{FF2B5EF4-FFF2-40B4-BE49-F238E27FC236}">
+                <a16:creationId xmlns:a16="http://schemas.microsoft.com/office/drawing/2014/main" id="{AD2F8F84-EE70-4293-8418-DCE55CABF6C4}"/>
+              </a:ext>
+            </a:extLst>
+          </p:cNvPr>
+          <p:cNvPicPr>
+            <a:picLocks noChangeAspect="1" noChangeArrowheads="1"/>
+          </p:cNvPicPr>
+          <p:nvPr/>
+        </p:nvPicPr>
+        <p:blipFill>
+          <a:blip r:embed="rId2">
+            <a:extLst>
+              <a:ext uri="{28A0092B-C50C-407E-A947-70E740481C1C}">
+                <a14:useLocalDpi xmlns:a14="http://schemas.microsoft.com/office/drawing/2010/main" val="0"/>
+              </a:ext>
+            </a:extLst>
+          </a:blip>
+          <a:srcRect/>
+          <a:stretch>
+            <a:fillRect/>
+          </a:stretch>
+        </p:blipFill>
+        <p:spPr bwMode="auto">
+          <a:xfrm>
+            <a:off x="4210248" y="1164989"/>
+            <a:ext cx="5154035" cy="1365014"/>
+          </a:xfrm>
+          <a:prstGeom prst="rect">
+            <a:avLst/>
+          </a:prstGeom>
+          <a:noFill/>
+          <a:extLst>
+            <a:ext uri="{909E8E84-426E-40DD-AFC4-6F175D3DCCD1}">
+              <a14:hiddenFill xmlns:a14="http://schemas.microsoft.com/office/drawing/2010/main">
+                <a:solidFill>
+                  <a:srgbClr val="FFFFFF"/>
+                </a:solidFill>
+              </a14:hiddenFill>
+            </a:ext>
+          </a:extLst>
+        </p:spPr>
+      </p:pic>
+      <p:pic>
+        <p:nvPicPr>
+          <p:cNvPr id="3076" name="Picture 4" descr="Tutorials - Leaflet - a JavaScript library for interactive maps">
+            <a:extLst>
+              <a:ext uri="{FF2B5EF4-FFF2-40B4-BE49-F238E27FC236}">
+                <a16:creationId xmlns:a16="http://schemas.microsoft.com/office/drawing/2014/main" id="{C90BF6B9-2706-42D6-AF12-4B0E922E5281}"/>
+              </a:ext>
+            </a:extLst>
+          </p:cNvPr>
+          <p:cNvPicPr>
+            <a:picLocks noChangeAspect="1" noChangeArrowheads="1"/>
+          </p:cNvPicPr>
+          <p:nvPr/>
+        </p:nvPicPr>
+        <p:blipFill>
+          <a:blip r:embed="rId3">
+            <a:extLst>
+              <a:ext uri="{28A0092B-C50C-407E-A947-70E740481C1C}">
+                <a14:useLocalDpi xmlns:a14="http://schemas.microsoft.com/office/drawing/2010/main" val="0"/>
+              </a:ext>
+            </a:extLst>
+          </a:blip>
+          <a:srcRect/>
+          <a:stretch>
+            <a:fillRect/>
+          </a:stretch>
+        </p:blipFill>
+        <p:spPr bwMode="auto">
+          <a:xfrm>
+            <a:off x="3762375" y="2767013"/>
+            <a:ext cx="5977640" cy="3699953"/>
+          </a:xfrm>
+          <a:prstGeom prst="rect">
+            <a:avLst/>
+          </a:prstGeom>
+          <a:noFill/>
+          <a:extLst>
+            <a:ext uri="{909E8E84-426E-40DD-AFC4-6F175D3DCCD1}">
+              <a14:hiddenFill xmlns:a14="http://schemas.microsoft.com/office/drawing/2010/main">
+                <a:solidFill>
+                  <a:srgbClr val="FFFFFF"/>
+                </a:solidFill>
+              </a14:hiddenFill>
+            </a:ext>
+          </a:extLst>
+        </p:spPr>
+      </p:pic>
+    </p:spTree>
+    <p:extLst>
+      <p:ext uri="{BB962C8B-B14F-4D97-AF65-F5344CB8AC3E}">
+        <p14:creationId xmlns:p14="http://schemas.microsoft.com/office/powerpoint/2010/main" val="2182319276"/>
+      </p:ext>
+    </p:extLst>
+  </p:cSld>
+  <p:clrMapOvr>
+    <a:masterClrMapping/>
+  </p:clrMapOvr>
+</p:sld>
+</file>
+
+<file path=ppt/slides/slide16.xml><?xml version="1.0" encoding="utf-8"?>
+<p:sld xmlns:a="http://schemas.openxmlformats.org/drawingml/2006/main" xmlns:r="http://schemas.openxmlformats.org/officeDocument/2006/relationships" xmlns:p="http://schemas.openxmlformats.org/presentationml/2006/main">
+  <p:cSld>
+    <p:bg>
+      <p:bgPr>
+        <a:solidFill>
+          <a:schemeClr val="bg2"/>
+        </a:solidFill>
+        <a:effectLst/>
+      </p:bgPr>
+    </p:bg>
+    <p:spTree>
+      <p:nvGrpSpPr>
+        <p:cNvPr id="1" name=""/>
+        <p:cNvGrpSpPr/>
+        <p:nvPr/>
+      </p:nvGrpSpPr>
+      <p:grpSpPr>
+        <a:xfrm>
+          <a:off x="0" y="0"/>
+          <a:ext cx="0" cy="0"/>
+          <a:chOff x="0" y="0"/>
+          <a:chExt cx="0" cy="0"/>
+        </a:xfrm>
+      </p:grpSpPr>
+      <p:grpSp>
+        <p:nvGrpSpPr>
+          <p:cNvPr id="8" name="Group 7">
+            <a:extLst>
+              <a:ext uri="{FF2B5EF4-FFF2-40B4-BE49-F238E27FC236}">
+                <a16:creationId xmlns:a16="http://schemas.microsoft.com/office/drawing/2014/main" id="{8C89EA62-F38E-4285-A105-C5E1BD360093}"/>
+              </a:ext>
+              <a:ext uri="{C183D7F6-B498-43B3-948B-1728B52AA6E4}">
+                <adec:decorative xmlns:adec="http://schemas.microsoft.com/office/drawing/2017/decorative" val="1"/>
+              </a:ext>
+            </a:extLst>
+          </p:cNvPr>
+          <p:cNvGrpSpPr>
+            <a:grpSpLocks noGrp="1" noUngrp="1" noRot="1" noChangeAspect="1" noMove="1" noResize="1"/>
+          </p:cNvGrpSpPr>
+          <p:nvPr>
+            <p:extLst>
+              <p:ext uri="{386F3935-93C4-4BCD-93E2-E3B085C9AB24}">
+                <p16:designElem xmlns:p16="http://schemas.microsoft.com/office/powerpoint/2015/main" val="1"/>
+              </p:ext>
+            </p:extLst>
+          </p:nvPr>
+        </p:nvGrpSpPr>
+        <p:grpSpPr>
+          <a:xfrm>
+            <a:off x="752858" y="744469"/>
+            <a:ext cx="10674117" cy="5349671"/>
+            <a:chOff x="752858" y="744469"/>
+            <a:chExt cx="10674117" cy="5349671"/>
+          </a:xfrm>
+        </p:grpSpPr>
+        <p:sp>
+          <p:nvSpPr>
+            <p:cNvPr id="9" name="Freeform 6">
+              <a:extLst>
+                <a:ext uri="{FF2B5EF4-FFF2-40B4-BE49-F238E27FC236}">
+                  <a16:creationId xmlns:a16="http://schemas.microsoft.com/office/drawing/2014/main" id="{2CF6E46A-CCCD-4728-B011-E147B23629A3}"/>
+                </a:ext>
+                <a:ext uri="{C183D7F6-B498-43B3-948B-1728B52AA6E4}">
+                  <adec:decorative xmlns:adec="http://schemas.microsoft.com/office/drawing/2017/decorative" val="1"/>
+                </a:ext>
+              </a:extLst>
+            </p:cNvPr>
+            <p:cNvSpPr/>
+            <p:nvPr>
+              <p:extLst>
+                <p:ext uri="{386F3935-93C4-4BCD-93E2-E3B085C9AB24}">
+                  <p16:designElem xmlns:p16="http://schemas.microsoft.com/office/powerpoint/2015/main" val="1"/>
+                </p:ext>
+              </p:extLst>
+            </p:nvPr>
+          </p:nvSpPr>
+          <p:spPr bwMode="auto">
+            <a:xfrm>
+              <a:off x="8151962" y="1685652"/>
+              <a:ext cx="3275013" cy="4408488"/>
+            </a:xfrm>
+            <a:custGeom>
+              <a:avLst/>
+              <a:gdLst/>
+              <a:ahLst/>
+              <a:cxnLst/>
+              <a:rect l="l" t="t" r="r" b="b"/>
+              <a:pathLst>
+                <a:path w="10000" h="10000">
+                  <a:moveTo>
+                    <a:pt x="8761" y="0"/>
+                  </a:moveTo>
+                  <a:lnTo>
+                    <a:pt x="10000" y="0"/>
+                  </a:lnTo>
+                  <a:lnTo>
+                    <a:pt x="10000" y="10000"/>
+                  </a:lnTo>
+                  <a:lnTo>
+                    <a:pt x="0" y="10000"/>
+                  </a:lnTo>
+                  <a:lnTo>
+                    <a:pt x="0" y="9126"/>
+                  </a:lnTo>
+                  <a:lnTo>
+                    <a:pt x="8761" y="9127"/>
+                  </a:lnTo>
+                  <a:lnTo>
+                    <a:pt x="8761" y="0"/>
+                  </a:lnTo>
+                  <a:close/>
+                </a:path>
+              </a:pathLst>
+            </a:custGeom>
+            <a:solidFill>
+              <a:schemeClr val="tx2"/>
+            </a:solidFill>
+            <a:ln w="0">
+              <a:noFill/>
+              <a:prstDash val="solid"/>
+              <a:round/>
+              <a:headEnd/>
+              <a:tailEnd/>
+            </a:ln>
+          </p:spPr>
+        </p:sp>
+        <p:sp>
+          <p:nvSpPr>
+            <p:cNvPr id="10" name="Freeform 6">
+              <a:extLst>
+                <a:ext uri="{FF2B5EF4-FFF2-40B4-BE49-F238E27FC236}">
+                  <a16:creationId xmlns:a16="http://schemas.microsoft.com/office/drawing/2014/main" id="{2E2C684B-30C9-4689-A529-EBF1B8ADB215}"/>
+                </a:ext>
+                <a:ext uri="{C183D7F6-B498-43B3-948B-1728B52AA6E4}">
+                  <adec:decorative xmlns:adec="http://schemas.microsoft.com/office/drawing/2017/decorative" val="1"/>
+                </a:ext>
+              </a:extLst>
+            </p:cNvPr>
+            <p:cNvSpPr/>
+            <p:nvPr>
+              <p:extLst>
+                <p:ext uri="{386F3935-93C4-4BCD-93E2-E3B085C9AB24}">
+                  <p16:designElem xmlns:p16="http://schemas.microsoft.com/office/powerpoint/2015/main" val="1"/>
+                </p:ext>
+              </p:extLst>
+            </p:nvPr>
+          </p:nvSpPr>
+          <p:spPr bwMode="auto">
+            <a:xfrm flipH="1" flipV="1">
+              <a:off x="752858" y="744469"/>
+              <a:ext cx="3275668" cy="4408488"/>
+            </a:xfrm>
+            <a:custGeom>
+              <a:avLst/>
+              <a:gdLst/>
+              <a:ahLst/>
+              <a:cxnLst/>
+              <a:rect l="l" t="t" r="r" b="b"/>
+              <a:pathLst>
+                <a:path w="10002" h="10000">
+                  <a:moveTo>
+                    <a:pt x="8763" y="0"/>
+                  </a:moveTo>
+                  <a:lnTo>
+                    <a:pt x="10002" y="0"/>
+                  </a:lnTo>
+                  <a:lnTo>
+                    <a:pt x="10002" y="10000"/>
+                  </a:lnTo>
+                  <a:lnTo>
+                    <a:pt x="2" y="10000"/>
+                  </a:lnTo>
+                  <a:cubicBezTo>
+                    <a:pt x="-2" y="9698"/>
+                    <a:pt x="4" y="9427"/>
+                    <a:pt x="0" y="9125"/>
+                  </a:cubicBezTo>
+                  <a:lnTo>
+                    <a:pt x="8763" y="9128"/>
+                  </a:lnTo>
+                  <a:lnTo>
+                    <a:pt x="8763" y="0"/>
+                  </a:lnTo>
+                  <a:close/>
+                </a:path>
+              </a:pathLst>
+            </a:custGeom>
+            <a:solidFill>
+              <a:schemeClr val="tx2"/>
+            </a:solidFill>
+            <a:ln w="0">
+              <a:noFill/>
+              <a:prstDash val="solid"/>
+              <a:round/>
+              <a:headEnd/>
+              <a:tailEnd/>
+            </a:ln>
+          </p:spPr>
+        </p:sp>
+      </p:grpSp>
+      <p:sp useBgFill="1">
+        <p:nvSpPr>
+          <p:cNvPr id="12" name="Rectangle 11">
+            <a:extLst>
+              <a:ext uri="{FF2B5EF4-FFF2-40B4-BE49-F238E27FC236}">
+                <a16:creationId xmlns:a16="http://schemas.microsoft.com/office/drawing/2014/main" id="{5ABA7F3F-D56F-4C06-84AC-03FC83B0642E}"/>
+              </a:ext>
+              <a:ext uri="{C183D7F6-B498-43B3-948B-1728B52AA6E4}">
+                <adec:decorative xmlns:adec="http://schemas.microsoft.com/office/drawing/2017/decorative" val="1"/>
+              </a:ext>
+            </a:extLst>
+          </p:cNvPr>
+          <p:cNvSpPr>
+            <a:spLocks noGrp="1" noRot="1" noChangeAspect="1" noMove="1" noResize="1" noEditPoints="1" noAdjustHandles="1" noChangeArrowheads="1" noChangeShapeType="1" noTextEdit="1"/>
+          </p:cNvSpPr>
+          <p:nvPr>
+            <p:extLst>
+              <p:ext uri="{386F3935-93C4-4BCD-93E2-E3B085C9AB24}">
+                <p16:designElem xmlns:p16="http://schemas.microsoft.com/office/powerpoint/2015/main" val="1"/>
+              </p:ext>
+            </p:extLst>
+          </p:nvPr>
+        </p:nvSpPr>
+        <p:spPr bwMode="grayWhite">
+          <a:xfrm>
+            <a:off x="0" y="0"/>
+            <a:ext cx="12192000" cy="6858000"/>
+          </a:xfrm>
+          <a:prstGeom prst="rect">
+            <a:avLst/>
+          </a:prstGeom>
+          <a:ln>
+            <a:noFill/>
+          </a:ln>
+        </p:spPr>
+        <p:style>
+          <a:lnRef idx="2">
+            <a:schemeClr val="accent1">
+              <a:shade val="50000"/>
+            </a:schemeClr>
+          </a:lnRef>
+          <a:fillRef idx="1">
+            <a:schemeClr val="accent1"/>
+          </a:fillRef>
+          <a:effectRef idx="0">
+            <a:schemeClr val="accent1"/>
+          </a:effectRef>
+          <a:fontRef idx="minor">
+            <a:schemeClr val="lt1"/>
+          </a:fontRef>
+        </p:style>
+        <p:txBody>
+          <a:bodyPr rtlCol="0" anchor="ctr"/>
+          <a:lstStyle/>
+          <a:p>
+            <a:pPr algn="ctr"/>
+            <a:endParaRPr lang="en-US"/>
+          </a:p>
+        </p:txBody>
+      </p:sp>
+      <p:grpSp>
+        <p:nvGrpSpPr>
+          <p:cNvPr id="14" name="Group 13">
+            <a:extLst>
+              <a:ext uri="{FF2B5EF4-FFF2-40B4-BE49-F238E27FC236}">
+                <a16:creationId xmlns:a16="http://schemas.microsoft.com/office/drawing/2014/main" id="{715374B5-D7C8-4AA9-BE65-DB7A0CA9B420}"/>
+              </a:ext>
+              <a:ext uri="{C183D7F6-B498-43B3-948B-1728B52AA6E4}">
+                <adec:decorative xmlns:adec="http://schemas.microsoft.com/office/drawing/2017/decorative" val="1"/>
+              </a:ext>
+            </a:extLst>
+          </p:cNvPr>
+          <p:cNvGrpSpPr>
+            <a:grpSpLocks noGrp="1" noUngrp="1" noRot="1" noChangeAspect="1" noMove="1" noResize="1"/>
+          </p:cNvGrpSpPr>
+          <p:nvPr>
+            <p:extLst>
+              <p:ext uri="{386F3935-93C4-4BCD-93E2-E3B085C9AB24}">
+                <p16:designElem xmlns:p16="http://schemas.microsoft.com/office/powerpoint/2015/main" val="1"/>
+              </p:ext>
+            </p:extLst>
+          </p:nvPr>
+        </p:nvGrpSpPr>
+        <p:grpSpPr>
+          <a:xfrm>
+            <a:off x="752858" y="744469"/>
+            <a:ext cx="10674117" cy="5349671"/>
+            <a:chOff x="752858" y="744469"/>
+            <a:chExt cx="10674117" cy="5349671"/>
+          </a:xfrm>
+        </p:grpSpPr>
+        <p:sp>
+          <p:nvSpPr>
+            <p:cNvPr id="15" name="Freeform 6">
+              <a:extLst>
+                <a:ext uri="{FF2B5EF4-FFF2-40B4-BE49-F238E27FC236}">
+                  <a16:creationId xmlns:a16="http://schemas.microsoft.com/office/drawing/2014/main" id="{C73A7452-ED0F-4903-A620-8D103E556CA4}"/>
+                </a:ext>
+                <a:ext uri="{C183D7F6-B498-43B3-948B-1728B52AA6E4}">
+                  <adec:decorative xmlns:adec="http://schemas.microsoft.com/office/drawing/2017/decorative" val="1"/>
+                </a:ext>
+              </a:extLst>
+            </p:cNvPr>
+            <p:cNvSpPr/>
+            <p:nvPr>
+              <p:extLst>
+                <p:ext uri="{386F3935-93C4-4BCD-93E2-E3B085C9AB24}">
+                  <p16:designElem xmlns:p16="http://schemas.microsoft.com/office/powerpoint/2015/main" val="1"/>
+                </p:ext>
+              </p:extLst>
+            </p:nvPr>
+          </p:nvSpPr>
+          <p:spPr bwMode="auto">
+            <a:xfrm>
+              <a:off x="8151962" y="1685652"/>
+              <a:ext cx="3275013" cy="4408488"/>
+            </a:xfrm>
+            <a:custGeom>
+              <a:avLst/>
+              <a:gdLst/>
+              <a:ahLst/>
+              <a:cxnLst/>
+              <a:rect l="l" t="t" r="r" b="b"/>
+              <a:pathLst>
+                <a:path w="10000" h="10000">
+                  <a:moveTo>
+                    <a:pt x="8761" y="0"/>
+                  </a:moveTo>
+                  <a:lnTo>
+                    <a:pt x="10000" y="0"/>
+                  </a:lnTo>
+                  <a:lnTo>
+                    <a:pt x="10000" y="10000"/>
+                  </a:lnTo>
+                  <a:lnTo>
+                    <a:pt x="0" y="10000"/>
+                  </a:lnTo>
+                  <a:lnTo>
+                    <a:pt x="0" y="9126"/>
+                  </a:lnTo>
+                  <a:lnTo>
+                    <a:pt x="8761" y="9127"/>
+                  </a:lnTo>
+                  <a:lnTo>
+                    <a:pt x="8761" y="0"/>
+                  </a:lnTo>
+                  <a:close/>
+                </a:path>
+              </a:pathLst>
+            </a:custGeom>
+            <a:solidFill>
+              <a:schemeClr val="accent1"/>
+            </a:solidFill>
+            <a:ln w="0">
+              <a:noFill/>
+              <a:prstDash val="solid"/>
+              <a:round/>
+              <a:headEnd/>
+              <a:tailEnd/>
+            </a:ln>
+          </p:spPr>
+        </p:sp>
+        <p:sp>
+          <p:nvSpPr>
+            <p:cNvPr id="16" name="Freeform 6">
+              <a:extLst>
+                <a:ext uri="{FF2B5EF4-FFF2-40B4-BE49-F238E27FC236}">
+                  <a16:creationId xmlns:a16="http://schemas.microsoft.com/office/drawing/2014/main" id="{F6A3F6CE-D581-4C37-8822-4F4A68325EF0}"/>
+                </a:ext>
+                <a:ext uri="{C183D7F6-B498-43B3-948B-1728B52AA6E4}">
+                  <adec:decorative xmlns:adec="http://schemas.microsoft.com/office/drawing/2017/decorative" val="1"/>
+                </a:ext>
+              </a:extLst>
+            </p:cNvPr>
+            <p:cNvSpPr/>
+            <p:nvPr>
+              <p:extLst>
+                <p:ext uri="{386F3935-93C4-4BCD-93E2-E3B085C9AB24}">
+                  <p16:designElem xmlns:p16="http://schemas.microsoft.com/office/powerpoint/2015/main" val="1"/>
+                </p:ext>
+              </p:extLst>
+            </p:nvPr>
+          </p:nvSpPr>
+          <p:spPr bwMode="auto">
+            <a:xfrm flipH="1" flipV="1">
+              <a:off x="752858" y="744469"/>
+              <a:ext cx="3275668" cy="4408488"/>
+            </a:xfrm>
+            <a:custGeom>
+              <a:avLst/>
+              <a:gdLst/>
+              <a:ahLst/>
+              <a:cxnLst/>
+              <a:rect l="l" t="t" r="r" b="b"/>
+              <a:pathLst>
+                <a:path w="10002" h="10000">
+                  <a:moveTo>
+                    <a:pt x="8763" y="0"/>
+                  </a:moveTo>
+                  <a:lnTo>
+                    <a:pt x="10002" y="0"/>
+                  </a:lnTo>
+                  <a:lnTo>
+                    <a:pt x="10002" y="10000"/>
+                  </a:lnTo>
+                  <a:lnTo>
+                    <a:pt x="2" y="10000"/>
+                  </a:lnTo>
+                  <a:cubicBezTo>
+                    <a:pt x="-2" y="9698"/>
+                    <a:pt x="4" y="9427"/>
+                    <a:pt x="0" y="9125"/>
+                  </a:cubicBezTo>
+                  <a:lnTo>
+                    <a:pt x="8763" y="9128"/>
+                  </a:lnTo>
+                  <a:lnTo>
+                    <a:pt x="8763" y="0"/>
+                  </a:lnTo>
+                  <a:close/>
+                </a:path>
+              </a:pathLst>
+            </a:custGeom>
+            <a:solidFill>
+              <a:schemeClr val="accent2"/>
+            </a:solidFill>
+            <a:ln w="0">
+              <a:noFill/>
+              <a:prstDash val="solid"/>
+              <a:round/>
+              <a:headEnd/>
+              <a:tailEnd/>
+            </a:ln>
+          </p:spPr>
+        </p:sp>
+      </p:grpSp>
+      <p:sp>
+        <p:nvSpPr>
+          <p:cNvPr id="2" name="Titre 1">
+            <a:extLst>
+              <a:ext uri="{FF2B5EF4-FFF2-40B4-BE49-F238E27FC236}">
+                <a16:creationId xmlns:a16="http://schemas.microsoft.com/office/drawing/2014/main" id="{A2B38A6B-466D-4B39-86CE-33FBC52B76B3}"/>
+              </a:ext>
+            </a:extLst>
+          </p:cNvPr>
+          <p:cNvSpPr>
+            <a:spLocks noGrp="1"/>
+          </p:cNvSpPr>
+          <p:nvPr>
+            <p:ph type="title"/>
+          </p:nvPr>
+        </p:nvSpPr>
+        <p:spPr>
+          <a:xfrm>
+            <a:off x="1915385" y="2185241"/>
+            <a:ext cx="8361229" cy="2098226"/>
+          </a:xfrm>
+        </p:spPr>
+        <p:txBody>
+          <a:bodyPr vert="horz" lIns="91440" tIns="45720" rIns="91440" bIns="45720" rtlCol="0" anchor="b">
+            <a:normAutofit/>
+          </a:bodyPr>
+          <a:lstStyle/>
+          <a:p>
+            <a:pPr algn="ctr"/>
+            <a:r>
+              <a:rPr lang="en-US" sz="7200" cap="all" dirty="0"/>
+              <a:t>Demonstration du projet</a:t>
+            </a:r>
+          </a:p>
+        </p:txBody>
+      </p:sp>
+      <p:sp>
+        <p:nvSpPr>
+          <p:cNvPr id="3" name="Espace réservé du numéro de diapositive 2">
+            <a:extLst>
+              <a:ext uri="{FF2B5EF4-FFF2-40B4-BE49-F238E27FC236}">
+                <a16:creationId xmlns:a16="http://schemas.microsoft.com/office/drawing/2014/main" id="{F7E1D1CF-7FBD-41FB-BE46-8AF9F839B8A6}"/>
+              </a:ext>
+            </a:extLst>
+          </p:cNvPr>
+          <p:cNvSpPr>
+            <a:spLocks noGrp="1"/>
+          </p:cNvSpPr>
+          <p:nvPr>
+            <p:ph type="sldNum" sz="quarter" idx="12"/>
+          </p:nvPr>
+        </p:nvSpPr>
+        <p:spPr>
+          <a:xfrm>
+            <a:off x="9830683" y="6453386"/>
+            <a:ext cx="1596292" cy="404614"/>
+          </a:xfrm>
+        </p:spPr>
+        <p:txBody>
+          <a:bodyPr vert="horz" lIns="91440" tIns="45720" rIns="91440" bIns="45720" rtlCol="0" anchor="ctr">
+            <a:normAutofit/>
+          </a:bodyPr>
+          <a:lstStyle/>
+          <a:p>
+            <a:pPr>
+              <a:spcAft>
+                <a:spcPts val="600"/>
+              </a:spcAft>
+            </a:pPr>
+            <a:fld id="{064621D8-3403-462A-90B6-EC5605D6708B}" type="slidenum">
+              <a:rPr lang="en-US" kern="1200" baseline="0" dirty="0">
+                <a:solidFill>
+                  <a:schemeClr val="tx2"/>
+                </a:solidFill>
+                <a:latin typeface="+mn-lt"/>
+                <a:ea typeface="+mn-ea"/>
+                <a:cs typeface="+mn-cs"/>
+              </a:rPr>
+              <a:pPr>
+                <a:spcAft>
+                  <a:spcPts val="600"/>
+                </a:spcAft>
+              </a:pPr>
+              <a:t>16</a:t>
             </a:fld>
             <a:endParaRPr lang="en-US" kern="1200" baseline="0" dirty="0">
               <a:solidFill>
@@ -4804,7 +5969,7 @@
 </p:sld>
 </file>
 
-<file path=ppt/slides/slide13.xml><?xml version="1.0" encoding="utf-8"?>
+<file path=ppt/slides/slide17.xml><?xml version="1.0" encoding="utf-8"?>
 <p:sld xmlns:a="http://schemas.openxmlformats.org/drawingml/2006/main" xmlns:r="http://schemas.openxmlformats.org/officeDocument/2006/relationships" xmlns:p="http://schemas.openxmlformats.org/presentationml/2006/main">
   <p:cSld>
     <p:bg>
@@ -5324,7 +6489,7 @@
                   <a:spcPts val="600"/>
                 </a:spcAft>
               </a:pPr>
-              <a:t>13</a:t>
+              <a:t>17</a:t>
             </a:fld>
             <a:endParaRPr lang="en-US" kern="1200" baseline="0" dirty="0">
               <a:solidFill>
@@ -5442,7 +6607,7 @@
 </p:sld>
 </file>
 
-<file path=ppt/slides/slide14.xml><?xml version="1.0" encoding="utf-8"?>
+<file path=ppt/slides/slide18.xml><?xml version="1.0" encoding="utf-8"?>
 <p:sld xmlns:a="http://schemas.openxmlformats.org/drawingml/2006/main" xmlns:r="http://schemas.openxmlformats.org/officeDocument/2006/relationships" xmlns:p="http://schemas.openxmlformats.org/presentationml/2006/main">
   <p:cSld>
     <p:spTree>
@@ -5591,7 +6756,7 @@
 </p:sld>
 </file>
 
-<file path=ppt/slides/slide15.xml><?xml version="1.0" encoding="utf-8"?>
+<file path=ppt/slides/slide19.xml><?xml version="1.0" encoding="utf-8"?>
 <p:sld xmlns:a="http://schemas.openxmlformats.org/drawingml/2006/main" xmlns:r="http://schemas.openxmlformats.org/officeDocument/2006/relationships" xmlns:p="http://schemas.openxmlformats.org/presentationml/2006/main">
   <p:cSld>
     <p:bg>
@@ -6111,7 +7276,7 @@
                   <a:spcPts val="600"/>
                 </a:spcAft>
               </a:pPr>
-              <a:t>15</a:t>
+              <a:t>19</a:t>
             </a:fld>
             <a:endParaRPr lang="en-US" kern="1200" baseline="0" dirty="0">
               <a:solidFill>
@@ -6229,321 +7394,6 @@
 </p:sld>
 </file>
 
-<file path=ppt/slides/slide16.xml><?xml version="1.0" encoding="utf-8"?>
-<p:sld xmlns:a="http://schemas.openxmlformats.org/drawingml/2006/main" xmlns:r="http://schemas.openxmlformats.org/officeDocument/2006/relationships" xmlns:p="http://schemas.openxmlformats.org/presentationml/2006/main">
-  <p:cSld>
-    <p:spTree>
-      <p:nvGrpSpPr>
-        <p:cNvPr id="1" name=""/>
-        <p:cNvGrpSpPr/>
-        <p:nvPr/>
-      </p:nvGrpSpPr>
-      <p:grpSpPr>
-        <a:xfrm>
-          <a:off x="0" y="0"/>
-          <a:ext cx="0" cy="0"/>
-          <a:chOff x="0" y="0"/>
-          <a:chExt cx="0" cy="0"/>
-        </a:xfrm>
-      </p:grpSpPr>
-      <p:sp>
-        <p:nvSpPr>
-          <p:cNvPr id="2" name="Titre 1">
-            <a:extLst>
-              <a:ext uri="{FF2B5EF4-FFF2-40B4-BE49-F238E27FC236}">
-                <a16:creationId xmlns:a16="http://schemas.microsoft.com/office/drawing/2014/main" id="{E35F42B4-18B3-414B-A2EF-D8A4EA398E7B}"/>
-              </a:ext>
-            </a:extLst>
-          </p:cNvPr>
-          <p:cNvSpPr>
-            <a:spLocks noGrp="1"/>
-          </p:cNvSpPr>
-          <p:nvPr>
-            <p:ph type="title"/>
-          </p:nvPr>
-        </p:nvSpPr>
-        <p:spPr>
-          <a:xfrm>
-            <a:off x="876649" y="247650"/>
-            <a:ext cx="9601200" cy="1485900"/>
-          </a:xfrm>
-        </p:spPr>
-        <p:txBody>
-          <a:bodyPr/>
-          <a:lstStyle/>
-          <a:p>
-            <a:r>
-              <a:rPr lang="fr-FR" dirty="0"/>
-              <a:t>Améliorations possibles </a:t>
-            </a:r>
-          </a:p>
-        </p:txBody>
-      </p:sp>
-      <p:sp>
-        <p:nvSpPr>
-          <p:cNvPr id="3" name="Espace réservé du contenu 2">
-            <a:extLst>
-              <a:ext uri="{FF2B5EF4-FFF2-40B4-BE49-F238E27FC236}">
-                <a16:creationId xmlns:a16="http://schemas.microsoft.com/office/drawing/2014/main" id="{75FD2F54-0682-466C-B358-8FDF4F36CD66}"/>
-              </a:ext>
-            </a:extLst>
-          </p:cNvPr>
-          <p:cNvSpPr>
-            <a:spLocks noGrp="1"/>
-          </p:cNvSpPr>
-          <p:nvPr>
-            <p:ph idx="1"/>
-          </p:nvPr>
-        </p:nvSpPr>
-        <p:spPr>
-          <a:xfrm>
-            <a:off x="876649" y="1431126"/>
-            <a:ext cx="10992796" cy="5179224"/>
-          </a:xfrm>
-        </p:spPr>
-        <p:txBody>
-          <a:bodyPr>
-            <a:normAutofit/>
-          </a:bodyPr>
-          <a:lstStyle/>
-          <a:p>
-            <a:pPr marL="0" indent="0" algn="ctr">
-              <a:lnSpc>
-                <a:spcPct val="200000"/>
-              </a:lnSpc>
-              <a:buNone/>
-            </a:pPr>
-            <a:r>
-              <a:rPr lang="fr-FR" dirty="0"/>
-              <a:t>Trouver une solution pour faire fonctionner la conversion Adresse </a:t>
-            </a:r>
-            <a:r>
-              <a:rPr lang="fr-FR" dirty="0">
-                <a:sym typeface="Wingdings" panose="05000000000000000000" pitchFamily="2" charset="2"/>
-              </a:rPr>
-              <a:t> Coordonnées</a:t>
-            </a:r>
-            <a:endParaRPr lang="fr-FR" dirty="0"/>
-          </a:p>
-          <a:p>
-            <a:pPr marL="0" indent="0" algn="ctr">
-              <a:lnSpc>
-                <a:spcPct val="200000"/>
-              </a:lnSpc>
-              <a:buNone/>
-            </a:pPr>
-            <a:r>
-              <a:rPr lang="fr-FR" dirty="0"/>
-              <a:t>Ajouter un système de géolocalisation permettant de récupérer directement la position de l’utilisateur</a:t>
-            </a:r>
-          </a:p>
-          <a:p>
-            <a:pPr marL="0" indent="0" algn="ctr">
-              <a:lnSpc>
-                <a:spcPct val="200000"/>
-              </a:lnSpc>
-              <a:buNone/>
-            </a:pPr>
-            <a:r>
-              <a:rPr lang="fr-FR" dirty="0"/>
-              <a:t>Potentiellement adapter l’application pour une version mobile</a:t>
-            </a:r>
-          </a:p>
-          <a:p>
-            <a:pPr marL="0" indent="0" algn="ctr">
-              <a:lnSpc>
-                <a:spcPct val="200000"/>
-              </a:lnSpc>
-              <a:buNone/>
-            </a:pPr>
-            <a:r>
-              <a:rPr lang="fr-FR" dirty="0"/>
-              <a:t>Améliorer le visuel général du site en ajoutant des logos des couleurs, du texte…</a:t>
-            </a:r>
-          </a:p>
-        </p:txBody>
-      </p:sp>
-    </p:spTree>
-    <p:extLst>
-      <p:ext uri="{BB962C8B-B14F-4D97-AF65-F5344CB8AC3E}">
-        <p14:creationId xmlns:p14="http://schemas.microsoft.com/office/powerpoint/2010/main" val="3574550463"/>
-      </p:ext>
-    </p:extLst>
-  </p:cSld>
-  <p:clrMapOvr>
-    <a:masterClrMapping/>
-  </p:clrMapOvr>
-</p:sld>
-</file>
-
-<file path=ppt/slides/slide17.xml><?xml version="1.0" encoding="utf-8"?>
-<p:sld xmlns:a="http://schemas.openxmlformats.org/drawingml/2006/main" xmlns:r="http://schemas.openxmlformats.org/officeDocument/2006/relationships" xmlns:p="http://schemas.openxmlformats.org/presentationml/2006/main">
-  <p:cSld>
-    <p:spTree>
-      <p:nvGrpSpPr>
-        <p:cNvPr id="1" name=""/>
-        <p:cNvGrpSpPr/>
-        <p:nvPr/>
-      </p:nvGrpSpPr>
-      <p:grpSpPr>
-        <a:xfrm>
-          <a:off x="0" y="0"/>
-          <a:ext cx="0" cy="0"/>
-          <a:chOff x="0" y="0"/>
-          <a:chExt cx="0" cy="0"/>
-        </a:xfrm>
-      </p:grpSpPr>
-      <p:sp>
-        <p:nvSpPr>
-          <p:cNvPr id="2" name="Titre 1">
-            <a:extLst>
-              <a:ext uri="{FF2B5EF4-FFF2-40B4-BE49-F238E27FC236}">
-                <a16:creationId xmlns:a16="http://schemas.microsoft.com/office/drawing/2014/main" id="{E35F42B4-18B3-414B-A2EF-D8A4EA398E7B}"/>
-              </a:ext>
-            </a:extLst>
-          </p:cNvPr>
-          <p:cNvSpPr>
-            <a:spLocks noGrp="1"/>
-          </p:cNvSpPr>
-          <p:nvPr>
-            <p:ph type="title"/>
-          </p:nvPr>
-        </p:nvSpPr>
-        <p:spPr>
-          <a:xfrm>
-            <a:off x="876649" y="247650"/>
-            <a:ext cx="9601200" cy="1485900"/>
-          </a:xfrm>
-        </p:spPr>
-        <p:txBody>
-          <a:bodyPr/>
-          <a:lstStyle/>
-          <a:p>
-            <a:r>
-              <a:rPr lang="fr-FR" dirty="0"/>
-              <a:t>VII\ Conclusion </a:t>
-            </a:r>
-          </a:p>
-        </p:txBody>
-      </p:sp>
-      <p:sp>
-        <p:nvSpPr>
-          <p:cNvPr id="4" name="ZoneTexte 3">
-            <a:extLst>
-              <a:ext uri="{FF2B5EF4-FFF2-40B4-BE49-F238E27FC236}">
-                <a16:creationId xmlns:a16="http://schemas.microsoft.com/office/drawing/2014/main" id="{D2C9083E-CDB6-4570-A836-1ECE32F5C544}"/>
-              </a:ext>
-            </a:extLst>
-          </p:cNvPr>
-          <p:cNvSpPr txBox="1"/>
-          <p:nvPr/>
-        </p:nvSpPr>
-        <p:spPr>
-          <a:xfrm>
-            <a:off x="876649" y="1219200"/>
-            <a:ext cx="10557790" cy="3693319"/>
-          </a:xfrm>
-          <a:prstGeom prst="rect">
-            <a:avLst/>
-          </a:prstGeom>
-          <a:noFill/>
-        </p:spPr>
-        <p:txBody>
-          <a:bodyPr wrap="square" rtlCol="0">
-            <a:spAutoFit/>
-          </a:bodyPr>
-          <a:lstStyle/>
-          <a:p>
-            <a:pPr algn="just"/>
-            <a:r>
-              <a:rPr lang="fr-FR" dirty="0"/>
-              <a:t>Ce projet dans son ensemble ne m’a pas posé trop de problème, compte tenu du fait que je n’ai pas pu assister à tous les cours de Java ( Problème de santés ), mon ressenti général est très positif.</a:t>
-            </a:r>
-          </a:p>
-          <a:p>
-            <a:pPr algn="just"/>
-            <a:endParaRPr lang="fr-FR" dirty="0"/>
-          </a:p>
-          <a:p>
-            <a:pPr algn="just"/>
-            <a:r>
-              <a:rPr lang="fr-FR" dirty="0"/>
-              <a:t>J’ai réussi à réaliser les différents points demandés dans le cahier des charges. </a:t>
-            </a:r>
-          </a:p>
-          <a:p>
-            <a:pPr algn="just"/>
-            <a:r>
-              <a:rPr lang="fr-FR" dirty="0"/>
-              <a:t>Ce projet m’a apporté beaucoup de connaissances quant à l’utilisation de JAVA dans son ensemble ainsi que de nouvelles connaissances sur des technologies tel que Thymeleaf et des API comme Leaflet que je n’avais pas eu l’occasion d’utiliser auparavant.</a:t>
-            </a:r>
-          </a:p>
-          <a:p>
-            <a:pPr algn="just"/>
-            <a:endParaRPr lang="fr-FR" dirty="0"/>
-          </a:p>
-          <a:p>
-            <a:pPr algn="just"/>
-            <a:r>
-              <a:rPr lang="fr-FR" dirty="0"/>
-              <a:t>M’ouvrir à de nouvelles choses a été aussi instructif, me fournissant de solides bases pour des projets futurs,</a:t>
-            </a:r>
-          </a:p>
-          <a:p>
-            <a:pPr algn="just"/>
-            <a:endParaRPr lang="fr-FR" dirty="0"/>
-          </a:p>
-          <a:p>
-            <a:pPr algn="just"/>
-            <a:r>
-              <a:rPr lang="fr-FR" dirty="0"/>
-              <a:t>A l’avenir je serais heureux de réaliser un projet dans le même thème afin d’améliorer ou réaliser les points que j’aurais voulu traiter.</a:t>
-            </a:r>
-          </a:p>
-        </p:txBody>
-      </p:sp>
-      <p:sp>
-        <p:nvSpPr>
-          <p:cNvPr id="5" name="Espace réservé du numéro de diapositive 4">
-            <a:extLst>
-              <a:ext uri="{FF2B5EF4-FFF2-40B4-BE49-F238E27FC236}">
-                <a16:creationId xmlns:a16="http://schemas.microsoft.com/office/drawing/2014/main" id="{4B488821-6152-406B-9F0C-4C9978AE2258}"/>
-              </a:ext>
-            </a:extLst>
-          </p:cNvPr>
-          <p:cNvSpPr>
-            <a:spLocks noGrp="1"/>
-          </p:cNvSpPr>
-          <p:nvPr>
-            <p:ph type="sldNum" sz="quarter" idx="12"/>
-          </p:nvPr>
-        </p:nvSpPr>
-        <p:spPr/>
-        <p:txBody>
-          <a:bodyPr/>
-          <a:lstStyle/>
-          <a:p>
-            <a:fld id="{064621D8-3403-462A-90B6-EC5605D6708B}" type="slidenum">
-              <a:rPr lang="fr-FR" smtClean="0"/>
-              <a:t>17</a:t>
-            </a:fld>
-            <a:endParaRPr lang="fr-FR"/>
-          </a:p>
-        </p:txBody>
-      </p:sp>
-    </p:spTree>
-    <p:extLst>
-      <p:ext uri="{BB962C8B-B14F-4D97-AF65-F5344CB8AC3E}">
-        <p14:creationId xmlns:p14="http://schemas.microsoft.com/office/powerpoint/2010/main" val="3544989965"/>
-      </p:ext>
-    </p:extLst>
-  </p:cSld>
-  <p:clrMapOvr>
-    <a:masterClrMapping/>
-  </p:clrMapOvr>
-</p:sld>
-</file>
-
 <file path=ppt/slides/slide2.xml><?xml version="1.0" encoding="utf-8"?>
 <p:sld xmlns:a="http://schemas.openxmlformats.org/drawingml/2006/main" xmlns:r="http://schemas.openxmlformats.org/officeDocument/2006/relationships" xmlns:p="http://schemas.openxmlformats.org/presentationml/2006/main">
   <p:cSld>
@@ -6720,7 +7570,7 @@
                   <a:schemeClr val="tx1"/>
                 </a:solidFill>
               </a:rPr>
-              <a:t>Java SDK17 et Maven</a:t>
+              <a:t>Java SDK17, Spring et Maven</a:t>
             </a:r>
           </a:p>
           <a:p>
@@ -6834,6 +7684,321 @@
     <p:extLst>
       <p:ext uri="{BB962C8B-B14F-4D97-AF65-F5344CB8AC3E}">
         <p14:creationId xmlns:p14="http://schemas.microsoft.com/office/powerpoint/2010/main" val="631936040"/>
+      </p:ext>
+    </p:extLst>
+  </p:cSld>
+  <p:clrMapOvr>
+    <a:masterClrMapping/>
+  </p:clrMapOvr>
+</p:sld>
+</file>
+
+<file path=ppt/slides/slide20.xml><?xml version="1.0" encoding="utf-8"?>
+<p:sld xmlns:a="http://schemas.openxmlformats.org/drawingml/2006/main" xmlns:r="http://schemas.openxmlformats.org/officeDocument/2006/relationships" xmlns:p="http://schemas.openxmlformats.org/presentationml/2006/main">
+  <p:cSld>
+    <p:spTree>
+      <p:nvGrpSpPr>
+        <p:cNvPr id="1" name=""/>
+        <p:cNvGrpSpPr/>
+        <p:nvPr/>
+      </p:nvGrpSpPr>
+      <p:grpSpPr>
+        <a:xfrm>
+          <a:off x="0" y="0"/>
+          <a:ext cx="0" cy="0"/>
+          <a:chOff x="0" y="0"/>
+          <a:chExt cx="0" cy="0"/>
+        </a:xfrm>
+      </p:grpSpPr>
+      <p:sp>
+        <p:nvSpPr>
+          <p:cNvPr id="2" name="Titre 1">
+            <a:extLst>
+              <a:ext uri="{FF2B5EF4-FFF2-40B4-BE49-F238E27FC236}">
+                <a16:creationId xmlns:a16="http://schemas.microsoft.com/office/drawing/2014/main" id="{E35F42B4-18B3-414B-A2EF-D8A4EA398E7B}"/>
+              </a:ext>
+            </a:extLst>
+          </p:cNvPr>
+          <p:cNvSpPr>
+            <a:spLocks noGrp="1"/>
+          </p:cNvSpPr>
+          <p:nvPr>
+            <p:ph type="title"/>
+          </p:nvPr>
+        </p:nvSpPr>
+        <p:spPr>
+          <a:xfrm>
+            <a:off x="876649" y="247650"/>
+            <a:ext cx="9601200" cy="1485900"/>
+          </a:xfrm>
+        </p:spPr>
+        <p:txBody>
+          <a:bodyPr/>
+          <a:lstStyle/>
+          <a:p>
+            <a:r>
+              <a:rPr lang="fr-FR" dirty="0"/>
+              <a:t>Améliorations possibles </a:t>
+            </a:r>
+          </a:p>
+        </p:txBody>
+      </p:sp>
+      <p:sp>
+        <p:nvSpPr>
+          <p:cNvPr id="3" name="Espace réservé du contenu 2">
+            <a:extLst>
+              <a:ext uri="{FF2B5EF4-FFF2-40B4-BE49-F238E27FC236}">
+                <a16:creationId xmlns:a16="http://schemas.microsoft.com/office/drawing/2014/main" id="{75FD2F54-0682-466C-B358-8FDF4F36CD66}"/>
+              </a:ext>
+            </a:extLst>
+          </p:cNvPr>
+          <p:cNvSpPr>
+            <a:spLocks noGrp="1"/>
+          </p:cNvSpPr>
+          <p:nvPr>
+            <p:ph idx="1"/>
+          </p:nvPr>
+        </p:nvSpPr>
+        <p:spPr>
+          <a:xfrm>
+            <a:off x="876649" y="1431126"/>
+            <a:ext cx="10992796" cy="5179224"/>
+          </a:xfrm>
+        </p:spPr>
+        <p:txBody>
+          <a:bodyPr>
+            <a:normAutofit/>
+          </a:bodyPr>
+          <a:lstStyle/>
+          <a:p>
+            <a:pPr marL="0" indent="0" algn="ctr">
+              <a:lnSpc>
+                <a:spcPct val="200000"/>
+              </a:lnSpc>
+              <a:buNone/>
+            </a:pPr>
+            <a:r>
+              <a:rPr lang="fr-FR" dirty="0"/>
+              <a:t>Trouver une solution pour faire fonctionner la conversion Adresse </a:t>
+            </a:r>
+            <a:r>
+              <a:rPr lang="fr-FR" dirty="0">
+                <a:sym typeface="Wingdings" panose="05000000000000000000" pitchFamily="2" charset="2"/>
+              </a:rPr>
+              <a:t> Coordonnées</a:t>
+            </a:r>
+            <a:endParaRPr lang="fr-FR" dirty="0"/>
+          </a:p>
+          <a:p>
+            <a:pPr marL="0" indent="0" algn="ctr">
+              <a:lnSpc>
+                <a:spcPct val="200000"/>
+              </a:lnSpc>
+              <a:buNone/>
+            </a:pPr>
+            <a:r>
+              <a:rPr lang="fr-FR" dirty="0"/>
+              <a:t>Ajouter un système de géolocalisation permettant de récupérer directement la position de l’utilisateur</a:t>
+            </a:r>
+          </a:p>
+          <a:p>
+            <a:pPr marL="0" indent="0" algn="ctr">
+              <a:lnSpc>
+                <a:spcPct val="200000"/>
+              </a:lnSpc>
+              <a:buNone/>
+            </a:pPr>
+            <a:r>
+              <a:rPr lang="fr-FR" dirty="0"/>
+              <a:t>Potentiellement adapter l’application pour une version mobile</a:t>
+            </a:r>
+          </a:p>
+          <a:p>
+            <a:pPr marL="0" indent="0" algn="ctr">
+              <a:lnSpc>
+                <a:spcPct val="200000"/>
+              </a:lnSpc>
+              <a:buNone/>
+            </a:pPr>
+            <a:r>
+              <a:rPr lang="fr-FR" dirty="0"/>
+              <a:t>Améliorer le visuel général du site en ajoutant des logos des couleurs, du texte…</a:t>
+            </a:r>
+          </a:p>
+        </p:txBody>
+      </p:sp>
+    </p:spTree>
+    <p:extLst>
+      <p:ext uri="{BB962C8B-B14F-4D97-AF65-F5344CB8AC3E}">
+        <p14:creationId xmlns:p14="http://schemas.microsoft.com/office/powerpoint/2010/main" val="3574550463"/>
+      </p:ext>
+    </p:extLst>
+  </p:cSld>
+  <p:clrMapOvr>
+    <a:masterClrMapping/>
+  </p:clrMapOvr>
+</p:sld>
+</file>
+
+<file path=ppt/slides/slide21.xml><?xml version="1.0" encoding="utf-8"?>
+<p:sld xmlns:a="http://schemas.openxmlformats.org/drawingml/2006/main" xmlns:r="http://schemas.openxmlformats.org/officeDocument/2006/relationships" xmlns:p="http://schemas.openxmlformats.org/presentationml/2006/main">
+  <p:cSld>
+    <p:spTree>
+      <p:nvGrpSpPr>
+        <p:cNvPr id="1" name=""/>
+        <p:cNvGrpSpPr/>
+        <p:nvPr/>
+      </p:nvGrpSpPr>
+      <p:grpSpPr>
+        <a:xfrm>
+          <a:off x="0" y="0"/>
+          <a:ext cx="0" cy="0"/>
+          <a:chOff x="0" y="0"/>
+          <a:chExt cx="0" cy="0"/>
+        </a:xfrm>
+      </p:grpSpPr>
+      <p:sp>
+        <p:nvSpPr>
+          <p:cNvPr id="2" name="Titre 1">
+            <a:extLst>
+              <a:ext uri="{FF2B5EF4-FFF2-40B4-BE49-F238E27FC236}">
+                <a16:creationId xmlns:a16="http://schemas.microsoft.com/office/drawing/2014/main" id="{E35F42B4-18B3-414B-A2EF-D8A4EA398E7B}"/>
+              </a:ext>
+            </a:extLst>
+          </p:cNvPr>
+          <p:cNvSpPr>
+            <a:spLocks noGrp="1"/>
+          </p:cNvSpPr>
+          <p:nvPr>
+            <p:ph type="title"/>
+          </p:nvPr>
+        </p:nvSpPr>
+        <p:spPr>
+          <a:xfrm>
+            <a:off x="876649" y="247650"/>
+            <a:ext cx="9601200" cy="1485900"/>
+          </a:xfrm>
+        </p:spPr>
+        <p:txBody>
+          <a:bodyPr/>
+          <a:lstStyle/>
+          <a:p>
+            <a:r>
+              <a:rPr lang="fr-FR" dirty="0"/>
+              <a:t>VII\ Conclusion </a:t>
+            </a:r>
+          </a:p>
+        </p:txBody>
+      </p:sp>
+      <p:sp>
+        <p:nvSpPr>
+          <p:cNvPr id="4" name="ZoneTexte 3">
+            <a:extLst>
+              <a:ext uri="{FF2B5EF4-FFF2-40B4-BE49-F238E27FC236}">
+                <a16:creationId xmlns:a16="http://schemas.microsoft.com/office/drawing/2014/main" id="{D2C9083E-CDB6-4570-A836-1ECE32F5C544}"/>
+              </a:ext>
+            </a:extLst>
+          </p:cNvPr>
+          <p:cNvSpPr txBox="1"/>
+          <p:nvPr/>
+        </p:nvSpPr>
+        <p:spPr>
+          <a:xfrm>
+            <a:off x="876649" y="1219200"/>
+            <a:ext cx="10557790" cy="3693319"/>
+          </a:xfrm>
+          <a:prstGeom prst="rect">
+            <a:avLst/>
+          </a:prstGeom>
+          <a:noFill/>
+        </p:spPr>
+        <p:txBody>
+          <a:bodyPr wrap="square" rtlCol="0">
+            <a:spAutoFit/>
+          </a:bodyPr>
+          <a:lstStyle/>
+          <a:p>
+            <a:pPr algn="just"/>
+            <a:r>
+              <a:rPr lang="fr-FR" dirty="0"/>
+              <a:t>Ce projet dans son ensemble ne m’a pas posé trop de problème, compte tenu du fait que je n’ai pas pu assister à tous les cours de Java ( Problème de santés ), mon ressenti général est très positif.</a:t>
+            </a:r>
+          </a:p>
+          <a:p>
+            <a:pPr algn="just"/>
+            <a:endParaRPr lang="fr-FR" dirty="0"/>
+          </a:p>
+          <a:p>
+            <a:pPr algn="just"/>
+            <a:r>
+              <a:rPr lang="fr-FR" dirty="0"/>
+              <a:t>J’ai réussi à réaliser les différents points demandés dans le cahier des charges. </a:t>
+            </a:r>
+          </a:p>
+          <a:p>
+            <a:pPr algn="just"/>
+            <a:r>
+              <a:rPr lang="fr-FR" dirty="0"/>
+              <a:t>Ce projet m’a apporté beaucoup de connaissances quant à l’utilisation de JAVA dans son ensemble ainsi que de nouvelles connaissances sur des technologies tel que Thymeleaf et des API comme Leaflet que je n’avais pas eu l’occasion d’utiliser auparavant.</a:t>
+            </a:r>
+          </a:p>
+          <a:p>
+            <a:pPr algn="just"/>
+            <a:endParaRPr lang="fr-FR" dirty="0"/>
+          </a:p>
+          <a:p>
+            <a:pPr algn="just"/>
+            <a:r>
+              <a:rPr lang="fr-FR" dirty="0"/>
+              <a:t>M’ouvrir à de nouvelles choses a été aussi instructif, me fournissant de solides bases pour des projets futurs,</a:t>
+            </a:r>
+          </a:p>
+          <a:p>
+            <a:pPr algn="just"/>
+            <a:endParaRPr lang="fr-FR" dirty="0"/>
+          </a:p>
+          <a:p>
+            <a:pPr algn="just"/>
+            <a:r>
+              <a:rPr lang="fr-FR" dirty="0"/>
+              <a:t>A l’avenir je serais heureux de réaliser un projet dans le même thème afin d’améliorer ou réaliser les points que j’aurais voulu traiter.</a:t>
+            </a:r>
+          </a:p>
+        </p:txBody>
+      </p:sp>
+      <p:sp>
+        <p:nvSpPr>
+          <p:cNvPr id="5" name="Espace réservé du numéro de diapositive 4">
+            <a:extLst>
+              <a:ext uri="{FF2B5EF4-FFF2-40B4-BE49-F238E27FC236}">
+                <a16:creationId xmlns:a16="http://schemas.microsoft.com/office/drawing/2014/main" id="{4B488821-6152-406B-9F0C-4C9978AE2258}"/>
+              </a:ext>
+            </a:extLst>
+          </p:cNvPr>
+          <p:cNvSpPr>
+            <a:spLocks noGrp="1"/>
+          </p:cNvSpPr>
+          <p:nvPr>
+            <p:ph type="sldNum" sz="quarter" idx="12"/>
+          </p:nvPr>
+        </p:nvSpPr>
+        <p:spPr/>
+        <p:txBody>
+          <a:bodyPr/>
+          <a:lstStyle/>
+          <a:p>
+            <a:fld id="{064621D8-3403-462A-90B6-EC5605D6708B}" type="slidenum">
+              <a:rPr lang="fr-FR" smtClean="0"/>
+              <a:t>21</a:t>
+            </a:fld>
+            <a:endParaRPr lang="fr-FR"/>
+          </a:p>
+        </p:txBody>
+      </p:sp>
+    </p:spTree>
+    <p:extLst>
+      <p:ext uri="{BB962C8B-B14F-4D97-AF65-F5344CB8AC3E}">
+        <p14:creationId xmlns:p14="http://schemas.microsoft.com/office/powerpoint/2010/main" val="3544989965"/>
       </p:ext>
     </p:extLst>
   </p:cSld>
@@ -7571,15 +8736,15 @@
             <a:pPr marL="0" indent="0" algn="just">
               <a:buNone/>
             </a:pPr>
-            <a:endParaRPr lang="fr-FR" dirty="0"/>
+            <a:endParaRPr lang="fr-FR" sz="1600" dirty="0"/>
           </a:p>
           <a:p>
             <a:pPr marL="0" indent="0" algn="just">
               <a:buNone/>
             </a:pPr>
             <a:r>
-              <a:rPr lang="fr-FR" sz="1600" dirty="0"/>
-              <a:t>A AJOUTER</a:t>
+              <a:rPr lang="fr-FR" dirty="0"/>
+              <a:t>Dans un contexte fictif où de simples humains vivraient en harmonies avec d’autres hommes dotés de capacités extraordinaires, une application web comme celle-ci leurs permettrait de les contacter et ainsi éviter de nombreuses victimes d’incendies, d’accidents de la routes ou encore d’invasion de serpents…</a:t>
             </a:r>
           </a:p>
           <a:p>
